--- a/PPT/Presentation.pptx
+++ b/PPT/Presentation.pptx
@@ -4,13 +4,17 @@
   <p:sldMasterIdLst>
     <p:sldMasterId id="2147483648" r:id="rId1"/>
   </p:sldMasterIdLst>
+  <p:notesMasterIdLst>
+    <p:notesMasterId r:id="rId9"/>
+  </p:notesMasterIdLst>
   <p:sldIdLst>
     <p:sldId id="256" r:id="rId2"/>
-    <p:sldId id="261" r:id="rId3"/>
-    <p:sldId id="260" r:id="rId4"/>
-    <p:sldId id="257" r:id="rId5"/>
-    <p:sldId id="259" r:id="rId6"/>
-    <p:sldId id="258" r:id="rId7"/>
+    <p:sldId id="262" r:id="rId3"/>
+    <p:sldId id="261" r:id="rId4"/>
+    <p:sldId id="260" r:id="rId5"/>
+    <p:sldId id="257" r:id="rId6"/>
+    <p:sldId id="259" r:id="rId7"/>
+    <p:sldId id="258" r:id="rId8"/>
   </p:sldIdLst>
   <p:sldSz cx="12192000" cy="6858000"/>
   <p:notesSz cx="6858000" cy="9144000"/>
@@ -117,6 +121,831 @@
 </p:presentation>
 </file>
 
+<file path=ppt/notesMasters/notesMaster1.xml><?xml version="1.0" encoding="utf-8"?>
+<p:notesMaster xmlns:a="http://schemas.openxmlformats.org/drawingml/2006/main" xmlns:r="http://schemas.openxmlformats.org/officeDocument/2006/relationships" xmlns:p="http://schemas.openxmlformats.org/presentationml/2006/main">
+  <p:cSld>
+    <p:bg>
+      <p:bgRef idx="1001">
+        <a:schemeClr val="bg1"/>
+      </p:bgRef>
+    </p:bg>
+    <p:spTree>
+      <p:nvGrpSpPr>
+        <p:cNvPr id="1" name=""/>
+        <p:cNvGrpSpPr/>
+        <p:nvPr/>
+      </p:nvGrpSpPr>
+      <p:grpSpPr>
+        <a:xfrm>
+          <a:off x="0" y="0"/>
+          <a:ext cx="0" cy="0"/>
+          <a:chOff x="0" y="0"/>
+          <a:chExt cx="0" cy="0"/>
+        </a:xfrm>
+      </p:grpSpPr>
+      <p:sp>
+        <p:nvSpPr>
+          <p:cNvPr id="2" name="Header Placeholder 1"/>
+          <p:cNvSpPr>
+            <a:spLocks noGrp="1"/>
+          </p:cNvSpPr>
+          <p:nvPr>
+            <p:ph type="hdr" sz="quarter"/>
+          </p:nvPr>
+        </p:nvSpPr>
+        <p:spPr>
+          <a:xfrm>
+            <a:off x="0" y="0"/>
+            <a:ext cx="2971800" cy="458788"/>
+          </a:xfrm>
+          <a:prstGeom prst="rect">
+            <a:avLst/>
+          </a:prstGeom>
+        </p:spPr>
+        <p:txBody>
+          <a:bodyPr vert="horz" lIns="91440" tIns="45720" rIns="91440" bIns="45720" rtlCol="0"/>
+          <a:lstStyle>
+            <a:lvl1pPr algn="l">
+              <a:defRPr sz="1200"/>
+            </a:lvl1pPr>
+          </a:lstStyle>
+          <a:p>
+            <a:endParaRPr lang="en-US"/>
+          </a:p>
+        </p:txBody>
+      </p:sp>
+      <p:sp>
+        <p:nvSpPr>
+          <p:cNvPr id="3" name="Date Placeholder 2"/>
+          <p:cNvSpPr>
+            <a:spLocks noGrp="1"/>
+          </p:cNvSpPr>
+          <p:nvPr>
+            <p:ph type="dt" idx="1"/>
+          </p:nvPr>
+        </p:nvSpPr>
+        <p:spPr>
+          <a:xfrm>
+            <a:off x="3884613" y="0"/>
+            <a:ext cx="2971800" cy="458788"/>
+          </a:xfrm>
+          <a:prstGeom prst="rect">
+            <a:avLst/>
+          </a:prstGeom>
+        </p:spPr>
+        <p:txBody>
+          <a:bodyPr vert="horz" lIns="91440" tIns="45720" rIns="91440" bIns="45720" rtlCol="0"/>
+          <a:lstStyle>
+            <a:lvl1pPr algn="r">
+              <a:defRPr sz="1200"/>
+            </a:lvl1pPr>
+          </a:lstStyle>
+          <a:p>
+            <a:fld id="{8F2F04D9-3A73-8741-8CA7-826A0839CE8A}" type="datetimeFigureOut">
+              <a:rPr lang="en-US" smtClean="0"/>
+              <a:t>12/6/19</a:t>
+            </a:fld>
+            <a:endParaRPr lang="en-US"/>
+          </a:p>
+        </p:txBody>
+      </p:sp>
+      <p:sp>
+        <p:nvSpPr>
+          <p:cNvPr id="4" name="Slide Image Placeholder 3"/>
+          <p:cNvSpPr>
+            <a:spLocks noGrp="1" noRot="1" noChangeAspect="1"/>
+          </p:cNvSpPr>
+          <p:nvPr>
+            <p:ph type="sldImg" idx="2"/>
+          </p:nvPr>
+        </p:nvSpPr>
+        <p:spPr>
+          <a:xfrm>
+            <a:off x="685800" y="1143000"/>
+            <a:ext cx="5486400" cy="3086100"/>
+          </a:xfrm>
+          <a:prstGeom prst="rect">
+            <a:avLst/>
+          </a:prstGeom>
+          <a:noFill/>
+          <a:ln w="12700">
+            <a:solidFill>
+              <a:prstClr val="black"/>
+            </a:solidFill>
+          </a:ln>
+        </p:spPr>
+        <p:txBody>
+          <a:bodyPr vert="horz" lIns="91440" tIns="45720" rIns="91440" bIns="45720" rtlCol="0" anchor="ctr"/>
+          <a:lstStyle/>
+          <a:p>
+            <a:endParaRPr lang="en-US"/>
+          </a:p>
+        </p:txBody>
+      </p:sp>
+      <p:sp>
+        <p:nvSpPr>
+          <p:cNvPr id="5" name="Notes Placeholder 4"/>
+          <p:cNvSpPr>
+            <a:spLocks noGrp="1"/>
+          </p:cNvSpPr>
+          <p:nvPr>
+            <p:ph type="body" sz="quarter" idx="3"/>
+          </p:nvPr>
+        </p:nvSpPr>
+        <p:spPr>
+          <a:xfrm>
+            <a:off x="685800" y="4400550"/>
+            <a:ext cx="5486400" cy="3600450"/>
+          </a:xfrm>
+          <a:prstGeom prst="rect">
+            <a:avLst/>
+          </a:prstGeom>
+        </p:spPr>
+        <p:txBody>
+          <a:bodyPr vert="horz" lIns="91440" tIns="45720" rIns="91440" bIns="45720" rtlCol="0"/>
+          <a:lstStyle/>
+          <a:p>
+            <a:pPr lvl="0"/>
+            <a:r>
+              <a:rPr lang="en-US"/>
+              <a:t>Click to edit Master text styles</a:t>
+            </a:r>
+          </a:p>
+          <a:p>
+            <a:pPr lvl="1"/>
+            <a:r>
+              <a:rPr lang="en-US"/>
+              <a:t>Second level</a:t>
+            </a:r>
+          </a:p>
+          <a:p>
+            <a:pPr lvl="2"/>
+            <a:r>
+              <a:rPr lang="en-US"/>
+              <a:t>Third level</a:t>
+            </a:r>
+          </a:p>
+          <a:p>
+            <a:pPr lvl="3"/>
+            <a:r>
+              <a:rPr lang="en-US"/>
+              <a:t>Fourth level</a:t>
+            </a:r>
+          </a:p>
+          <a:p>
+            <a:pPr lvl="4"/>
+            <a:r>
+              <a:rPr lang="en-US"/>
+              <a:t>Fifth level</a:t>
+            </a:r>
+          </a:p>
+        </p:txBody>
+      </p:sp>
+      <p:sp>
+        <p:nvSpPr>
+          <p:cNvPr id="6" name="Footer Placeholder 5"/>
+          <p:cNvSpPr>
+            <a:spLocks noGrp="1"/>
+          </p:cNvSpPr>
+          <p:nvPr>
+            <p:ph type="ftr" sz="quarter" idx="4"/>
+          </p:nvPr>
+        </p:nvSpPr>
+        <p:spPr>
+          <a:xfrm>
+            <a:off x="0" y="8685213"/>
+            <a:ext cx="2971800" cy="458787"/>
+          </a:xfrm>
+          <a:prstGeom prst="rect">
+            <a:avLst/>
+          </a:prstGeom>
+        </p:spPr>
+        <p:txBody>
+          <a:bodyPr vert="horz" lIns="91440" tIns="45720" rIns="91440" bIns="45720" rtlCol="0" anchor="b"/>
+          <a:lstStyle>
+            <a:lvl1pPr algn="l">
+              <a:defRPr sz="1200"/>
+            </a:lvl1pPr>
+          </a:lstStyle>
+          <a:p>
+            <a:endParaRPr lang="en-US"/>
+          </a:p>
+        </p:txBody>
+      </p:sp>
+      <p:sp>
+        <p:nvSpPr>
+          <p:cNvPr id="7" name="Slide Number Placeholder 6"/>
+          <p:cNvSpPr>
+            <a:spLocks noGrp="1"/>
+          </p:cNvSpPr>
+          <p:nvPr>
+            <p:ph type="sldNum" sz="quarter" idx="5"/>
+          </p:nvPr>
+        </p:nvSpPr>
+        <p:spPr>
+          <a:xfrm>
+            <a:off x="3884613" y="8685213"/>
+            <a:ext cx="2971800" cy="458787"/>
+          </a:xfrm>
+          <a:prstGeom prst="rect">
+            <a:avLst/>
+          </a:prstGeom>
+        </p:spPr>
+        <p:txBody>
+          <a:bodyPr vert="horz" lIns="91440" tIns="45720" rIns="91440" bIns="45720" rtlCol="0" anchor="b"/>
+          <a:lstStyle>
+            <a:lvl1pPr algn="r">
+              <a:defRPr sz="1200"/>
+            </a:lvl1pPr>
+          </a:lstStyle>
+          <a:p>
+            <a:fld id="{11C4FE03-3BC3-3748-AF18-0EB43D2D7AEA}" type="slidenum">
+              <a:rPr lang="en-US" smtClean="0"/>
+              <a:t>‹#›</a:t>
+            </a:fld>
+            <a:endParaRPr lang="en-US"/>
+          </a:p>
+        </p:txBody>
+      </p:sp>
+    </p:spTree>
+    <p:extLst>
+      <p:ext uri="{BB962C8B-B14F-4D97-AF65-F5344CB8AC3E}">
+        <p14:creationId xmlns:p14="http://schemas.microsoft.com/office/powerpoint/2010/main" val="1484225032"/>
+      </p:ext>
+    </p:extLst>
+  </p:cSld>
+  <p:clrMap bg1="lt1" tx1="dk1" bg2="lt2" tx2="dk2" accent1="accent1" accent2="accent2" accent3="accent3" accent4="accent4" accent5="accent5" accent6="accent6" hlink="hlink" folHlink="folHlink"/>
+  <p:notesStyle>
+    <a:lvl1pPr marL="0" algn="l" defTabSz="914400" rtl="0" eaLnBrk="1" latinLnBrk="0" hangingPunct="1">
+      <a:defRPr sz="1200" kern="1200">
+        <a:solidFill>
+          <a:schemeClr val="tx1"/>
+        </a:solidFill>
+        <a:latin typeface="+mn-lt"/>
+        <a:ea typeface="+mn-ea"/>
+        <a:cs typeface="+mn-cs"/>
+      </a:defRPr>
+    </a:lvl1pPr>
+    <a:lvl2pPr marL="457200" algn="l" defTabSz="914400" rtl="0" eaLnBrk="1" latinLnBrk="0" hangingPunct="1">
+      <a:defRPr sz="1200" kern="1200">
+        <a:solidFill>
+          <a:schemeClr val="tx1"/>
+        </a:solidFill>
+        <a:latin typeface="+mn-lt"/>
+        <a:ea typeface="+mn-ea"/>
+        <a:cs typeface="+mn-cs"/>
+      </a:defRPr>
+    </a:lvl2pPr>
+    <a:lvl3pPr marL="914400" algn="l" defTabSz="914400" rtl="0" eaLnBrk="1" latinLnBrk="0" hangingPunct="1">
+      <a:defRPr sz="1200" kern="1200">
+        <a:solidFill>
+          <a:schemeClr val="tx1"/>
+        </a:solidFill>
+        <a:latin typeface="+mn-lt"/>
+        <a:ea typeface="+mn-ea"/>
+        <a:cs typeface="+mn-cs"/>
+      </a:defRPr>
+    </a:lvl3pPr>
+    <a:lvl4pPr marL="1371600" algn="l" defTabSz="914400" rtl="0" eaLnBrk="1" latinLnBrk="0" hangingPunct="1">
+      <a:defRPr sz="1200" kern="1200">
+        <a:solidFill>
+          <a:schemeClr val="tx1"/>
+        </a:solidFill>
+        <a:latin typeface="+mn-lt"/>
+        <a:ea typeface="+mn-ea"/>
+        <a:cs typeface="+mn-cs"/>
+      </a:defRPr>
+    </a:lvl4pPr>
+    <a:lvl5pPr marL="1828800" algn="l" defTabSz="914400" rtl="0" eaLnBrk="1" latinLnBrk="0" hangingPunct="1">
+      <a:defRPr sz="1200" kern="1200">
+        <a:solidFill>
+          <a:schemeClr val="tx1"/>
+        </a:solidFill>
+        <a:latin typeface="+mn-lt"/>
+        <a:ea typeface="+mn-ea"/>
+        <a:cs typeface="+mn-cs"/>
+      </a:defRPr>
+    </a:lvl5pPr>
+    <a:lvl6pPr marL="2286000" algn="l" defTabSz="914400" rtl="0" eaLnBrk="1" latinLnBrk="0" hangingPunct="1">
+      <a:defRPr sz="1200" kern="1200">
+        <a:solidFill>
+          <a:schemeClr val="tx1"/>
+        </a:solidFill>
+        <a:latin typeface="+mn-lt"/>
+        <a:ea typeface="+mn-ea"/>
+        <a:cs typeface="+mn-cs"/>
+      </a:defRPr>
+    </a:lvl6pPr>
+    <a:lvl7pPr marL="2743200" algn="l" defTabSz="914400" rtl="0" eaLnBrk="1" latinLnBrk="0" hangingPunct="1">
+      <a:defRPr sz="1200" kern="1200">
+        <a:solidFill>
+          <a:schemeClr val="tx1"/>
+        </a:solidFill>
+        <a:latin typeface="+mn-lt"/>
+        <a:ea typeface="+mn-ea"/>
+        <a:cs typeface="+mn-cs"/>
+      </a:defRPr>
+    </a:lvl7pPr>
+    <a:lvl8pPr marL="3200400" algn="l" defTabSz="914400" rtl="0" eaLnBrk="1" latinLnBrk="0" hangingPunct="1">
+      <a:defRPr sz="1200" kern="1200">
+        <a:solidFill>
+          <a:schemeClr val="tx1"/>
+        </a:solidFill>
+        <a:latin typeface="+mn-lt"/>
+        <a:ea typeface="+mn-ea"/>
+        <a:cs typeface="+mn-cs"/>
+      </a:defRPr>
+    </a:lvl8pPr>
+    <a:lvl9pPr marL="3657600" algn="l" defTabSz="914400" rtl="0" eaLnBrk="1" latinLnBrk="0" hangingPunct="1">
+      <a:defRPr sz="1200" kern="1200">
+        <a:solidFill>
+          <a:schemeClr val="tx1"/>
+        </a:solidFill>
+        <a:latin typeface="+mn-lt"/>
+        <a:ea typeface="+mn-ea"/>
+        <a:cs typeface="+mn-cs"/>
+      </a:defRPr>
+    </a:lvl9pPr>
+  </p:notesStyle>
+</p:notesMaster>
+</file>
+
+<file path=ppt/notesSlides/notesSlide1.xml><?xml version="1.0" encoding="utf-8"?>
+<p:notes xmlns:a="http://schemas.openxmlformats.org/drawingml/2006/main" xmlns:r="http://schemas.openxmlformats.org/officeDocument/2006/relationships" xmlns:p="http://schemas.openxmlformats.org/presentationml/2006/main">
+  <p:cSld>
+    <p:spTree>
+      <p:nvGrpSpPr>
+        <p:cNvPr id="1" name=""/>
+        <p:cNvGrpSpPr/>
+        <p:nvPr/>
+      </p:nvGrpSpPr>
+      <p:grpSpPr>
+        <a:xfrm>
+          <a:off x="0" y="0"/>
+          <a:ext cx="0" cy="0"/>
+          <a:chOff x="0" y="0"/>
+          <a:chExt cx="0" cy="0"/>
+        </a:xfrm>
+      </p:grpSpPr>
+      <p:sp>
+        <p:nvSpPr>
+          <p:cNvPr id="2" name="Slide Image Placeholder 1"/>
+          <p:cNvSpPr>
+            <a:spLocks noGrp="1" noRot="1" noChangeAspect="1"/>
+          </p:cNvSpPr>
+          <p:nvPr>
+            <p:ph type="sldImg"/>
+          </p:nvPr>
+        </p:nvSpPr>
+        <p:spPr/>
+      </p:sp>
+      <p:sp>
+        <p:nvSpPr>
+          <p:cNvPr id="3" name="Notes Placeholder 2"/>
+          <p:cNvSpPr>
+            <a:spLocks noGrp="1"/>
+          </p:cNvSpPr>
+          <p:nvPr>
+            <p:ph type="body" idx="1"/>
+          </p:nvPr>
+        </p:nvSpPr>
+        <p:spPr/>
+        <p:txBody>
+          <a:bodyPr/>
+          <a:lstStyle/>
+          <a:p>
+            <a:pPr marL="0" marR="0" lvl="0" indent="0" algn="l" defTabSz="914400" rtl="0" eaLnBrk="1" fontAlgn="auto" latinLnBrk="0" hangingPunct="1">
+              <a:lnSpc>
+                <a:spcPct val="100000"/>
+              </a:lnSpc>
+              <a:spcBef>
+                <a:spcPts val="0"/>
+              </a:spcBef>
+              <a:spcAft>
+                <a:spcPts val="0"/>
+              </a:spcAft>
+              <a:buClrTx/>
+              <a:buSzTx/>
+              <a:buFontTx/>
+              <a:buNone/>
+              <a:tabLst/>
+              <a:defRPr/>
+            </a:pPr>
+            <a:r>
+              <a:rPr lang="en-US" sz="1200" dirty="0"/>
+              <a:t>Our project use the dataset </a:t>
+            </a:r>
+            <a:r>
+              <a:rPr lang="en-US" sz="1200" dirty="0">
+                <a:hlinkClick r:id="rId3"/>
+              </a:rPr>
+              <a:t>Road Safety Data</a:t>
+            </a:r>
+            <a:r>
+              <a:rPr lang="en-US" sz="1200" dirty="0"/>
+              <a:t>, analysis the relationship between different variables, train the data using Linear Regression and Decision Tree by Spark, and then get some useful information from the results.</a:t>
+            </a:r>
+          </a:p>
+          <a:p>
+            <a:endParaRPr lang="en-US" dirty="0"/>
+          </a:p>
+        </p:txBody>
+      </p:sp>
+      <p:sp>
+        <p:nvSpPr>
+          <p:cNvPr id="4" name="Slide Number Placeholder 3"/>
+          <p:cNvSpPr>
+            <a:spLocks noGrp="1"/>
+          </p:cNvSpPr>
+          <p:nvPr>
+            <p:ph type="sldNum" sz="quarter" idx="5"/>
+          </p:nvPr>
+        </p:nvSpPr>
+        <p:spPr/>
+        <p:txBody>
+          <a:bodyPr/>
+          <a:lstStyle/>
+          <a:p>
+            <a:fld id="{11C4FE03-3BC3-3748-AF18-0EB43D2D7AEA}" type="slidenum">
+              <a:rPr lang="en-US" smtClean="0"/>
+              <a:t>2</a:t>
+            </a:fld>
+            <a:endParaRPr lang="en-US"/>
+          </a:p>
+        </p:txBody>
+      </p:sp>
+    </p:spTree>
+    <p:extLst>
+      <p:ext uri="{BB962C8B-B14F-4D97-AF65-F5344CB8AC3E}">
+        <p14:creationId xmlns:p14="http://schemas.microsoft.com/office/powerpoint/2010/main" val="4196233333"/>
+      </p:ext>
+    </p:extLst>
+  </p:cSld>
+  <p:clrMapOvr>
+    <a:masterClrMapping/>
+  </p:clrMapOvr>
+</p:notes>
+</file>
+
+<file path=ppt/notesSlides/notesSlide2.xml><?xml version="1.0" encoding="utf-8"?>
+<p:notes xmlns:a="http://schemas.openxmlformats.org/drawingml/2006/main" xmlns:r="http://schemas.openxmlformats.org/officeDocument/2006/relationships" xmlns:p="http://schemas.openxmlformats.org/presentationml/2006/main">
+  <p:cSld>
+    <p:spTree>
+      <p:nvGrpSpPr>
+        <p:cNvPr id="1" name=""/>
+        <p:cNvGrpSpPr/>
+        <p:nvPr/>
+      </p:nvGrpSpPr>
+      <p:grpSpPr>
+        <a:xfrm>
+          <a:off x="0" y="0"/>
+          <a:ext cx="0" cy="0"/>
+          <a:chOff x="0" y="0"/>
+          <a:chExt cx="0" cy="0"/>
+        </a:xfrm>
+      </p:grpSpPr>
+      <p:sp>
+        <p:nvSpPr>
+          <p:cNvPr id="2" name="Slide Image Placeholder 1"/>
+          <p:cNvSpPr>
+            <a:spLocks noGrp="1" noRot="1" noChangeAspect="1"/>
+          </p:cNvSpPr>
+          <p:nvPr>
+            <p:ph type="sldImg"/>
+          </p:nvPr>
+        </p:nvSpPr>
+        <p:spPr/>
+      </p:sp>
+      <p:sp>
+        <p:nvSpPr>
+          <p:cNvPr id="3" name="Notes Placeholder 2"/>
+          <p:cNvSpPr>
+            <a:spLocks noGrp="1"/>
+          </p:cNvSpPr>
+          <p:nvPr>
+            <p:ph type="body" idx="1"/>
+          </p:nvPr>
+        </p:nvSpPr>
+        <p:spPr/>
+        <p:txBody>
+          <a:bodyPr/>
+          <a:lstStyle/>
+          <a:p>
+            <a:pPr marL="0" marR="0" lvl="0" indent="0" algn="l" defTabSz="914400" rtl="0" eaLnBrk="1" fontAlgn="auto" latinLnBrk="0" hangingPunct="1">
+              <a:lnSpc>
+                <a:spcPct val="100000"/>
+              </a:lnSpc>
+              <a:spcBef>
+                <a:spcPts val="0"/>
+              </a:spcBef>
+              <a:spcAft>
+                <a:spcPts val="0"/>
+              </a:spcAft>
+              <a:buClrTx/>
+              <a:buSzTx/>
+              <a:buFontTx/>
+              <a:buNone/>
+              <a:tabLst/>
+              <a:defRPr/>
+            </a:pPr>
+            <a:r>
+              <a:rPr lang="en-US" sz="1200" b="1" kern="1200" dirty="0">
+                <a:solidFill>
+                  <a:schemeClr val="tx1"/>
+                </a:solidFill>
+                <a:effectLst/>
+                <a:latin typeface="+mn-lt"/>
+                <a:ea typeface="+mn-ea"/>
+                <a:cs typeface="+mn-cs"/>
+              </a:rPr>
+              <a:t>For the training part, I use </a:t>
+            </a:r>
+            <a:r>
+              <a:rPr lang="en-US" sz="1200" b="1" kern="1200" dirty="0" err="1">
+                <a:solidFill>
+                  <a:schemeClr val="tx1"/>
+                </a:solidFill>
+                <a:effectLst/>
+                <a:latin typeface="+mn-lt"/>
+                <a:ea typeface="+mn-ea"/>
+                <a:cs typeface="+mn-cs"/>
+              </a:rPr>
+              <a:t>spark.ml</a:t>
+            </a:r>
+            <a:r>
+              <a:rPr lang="en-US" sz="1200" b="1" kern="1200" dirty="0">
+                <a:solidFill>
+                  <a:schemeClr val="tx1"/>
+                </a:solidFill>
+                <a:effectLst/>
+                <a:latin typeface="+mn-lt"/>
+                <a:ea typeface="+mn-ea"/>
+                <a:cs typeface="+mn-cs"/>
+              </a:rPr>
+              <a:t> to do machine learning, I generate 3 models in our project, linear regression and decision tree, and an optimal linear regression improved by cross validation and </a:t>
+            </a:r>
+            <a:r>
+              <a:rPr lang="en-US" sz="1200" b="1" kern="1200" dirty="0" err="1">
+                <a:solidFill>
+                  <a:schemeClr val="tx1"/>
+                </a:solidFill>
+                <a:effectLst/>
+                <a:latin typeface="+mn-lt"/>
+                <a:ea typeface="+mn-ea"/>
+                <a:cs typeface="+mn-cs"/>
+              </a:rPr>
+              <a:t>perameter</a:t>
+            </a:r>
+            <a:r>
+              <a:rPr lang="en-US" sz="1200" b="1" kern="1200" dirty="0">
+                <a:solidFill>
+                  <a:schemeClr val="tx1"/>
+                </a:solidFill>
+                <a:effectLst/>
+                <a:latin typeface="+mn-lt"/>
+                <a:ea typeface="+mn-ea"/>
+                <a:cs typeface="+mn-cs"/>
+              </a:rPr>
+              <a:t> grid.</a:t>
+            </a:r>
+            <a:endParaRPr lang="en-US" sz="1200" kern="1200" dirty="0">
+              <a:solidFill>
+                <a:schemeClr val="tx1"/>
+              </a:solidFill>
+              <a:effectLst/>
+              <a:latin typeface="+mn-lt"/>
+              <a:ea typeface="+mn-ea"/>
+              <a:cs typeface="+mn-cs"/>
+            </a:endParaRPr>
+          </a:p>
+          <a:p>
+            <a:endParaRPr lang="en-US" dirty="0"/>
+          </a:p>
+        </p:txBody>
+      </p:sp>
+      <p:sp>
+        <p:nvSpPr>
+          <p:cNvPr id="4" name="Slide Number Placeholder 3"/>
+          <p:cNvSpPr>
+            <a:spLocks noGrp="1"/>
+          </p:cNvSpPr>
+          <p:nvPr>
+            <p:ph type="sldNum" sz="quarter" idx="5"/>
+          </p:nvPr>
+        </p:nvSpPr>
+        <p:spPr/>
+        <p:txBody>
+          <a:bodyPr/>
+          <a:lstStyle/>
+          <a:p>
+            <a:fld id="{11C4FE03-3BC3-3748-AF18-0EB43D2D7AEA}" type="slidenum">
+              <a:rPr lang="en-US" smtClean="0"/>
+              <a:t>4</a:t>
+            </a:fld>
+            <a:endParaRPr lang="en-US"/>
+          </a:p>
+        </p:txBody>
+      </p:sp>
+    </p:spTree>
+    <p:extLst>
+      <p:ext uri="{BB962C8B-B14F-4D97-AF65-F5344CB8AC3E}">
+        <p14:creationId xmlns:p14="http://schemas.microsoft.com/office/powerpoint/2010/main" val="3553335727"/>
+      </p:ext>
+    </p:extLst>
+  </p:cSld>
+  <p:clrMapOvr>
+    <a:masterClrMapping/>
+  </p:clrMapOvr>
+</p:notes>
+</file>
+
+<file path=ppt/notesSlides/notesSlide3.xml><?xml version="1.0" encoding="utf-8"?>
+<p:notes xmlns:a="http://schemas.openxmlformats.org/drawingml/2006/main" xmlns:r="http://schemas.openxmlformats.org/officeDocument/2006/relationships" xmlns:p="http://schemas.openxmlformats.org/presentationml/2006/main">
+  <p:cSld>
+    <p:spTree>
+      <p:nvGrpSpPr>
+        <p:cNvPr id="1" name=""/>
+        <p:cNvGrpSpPr/>
+        <p:nvPr/>
+      </p:nvGrpSpPr>
+      <p:grpSpPr>
+        <a:xfrm>
+          <a:off x="0" y="0"/>
+          <a:ext cx="0" cy="0"/>
+          <a:chOff x="0" y="0"/>
+          <a:chExt cx="0" cy="0"/>
+        </a:xfrm>
+      </p:grpSpPr>
+      <p:sp>
+        <p:nvSpPr>
+          <p:cNvPr id="2" name="Slide Image Placeholder 1"/>
+          <p:cNvSpPr>
+            <a:spLocks noGrp="1" noRot="1" noChangeAspect="1"/>
+          </p:cNvSpPr>
+          <p:nvPr>
+            <p:ph type="sldImg"/>
+          </p:nvPr>
+        </p:nvSpPr>
+        <p:spPr/>
+      </p:sp>
+      <p:sp>
+        <p:nvSpPr>
+          <p:cNvPr id="3" name="Notes Placeholder 2"/>
+          <p:cNvSpPr>
+            <a:spLocks noGrp="1"/>
+          </p:cNvSpPr>
+          <p:nvPr>
+            <p:ph type="body" idx="1"/>
+          </p:nvPr>
+        </p:nvSpPr>
+        <p:spPr/>
+        <p:txBody>
+          <a:bodyPr/>
+          <a:lstStyle/>
+          <a:p>
+            <a:pPr marL="0" marR="0" lvl="0" indent="0" algn="l" defTabSz="914400" rtl="0" eaLnBrk="1" fontAlgn="auto" latinLnBrk="0" hangingPunct="1">
+              <a:lnSpc>
+                <a:spcPct val="100000"/>
+              </a:lnSpc>
+              <a:spcBef>
+                <a:spcPts val="0"/>
+              </a:spcBef>
+              <a:spcAft>
+                <a:spcPts val="0"/>
+              </a:spcAft>
+              <a:buClrTx/>
+              <a:buSzTx/>
+              <a:buFontTx/>
+              <a:buNone/>
+              <a:tabLst/>
+              <a:defRPr/>
+            </a:pPr>
+            <a:r>
+              <a:rPr lang="en-US" sz="1200" kern="1200" dirty="0">
+                <a:solidFill>
+                  <a:schemeClr val="tx1"/>
+                </a:solidFill>
+                <a:effectLst/>
+                <a:latin typeface="+mn-lt"/>
+                <a:ea typeface="+mn-ea"/>
+                <a:cs typeface="+mn-cs"/>
+              </a:rPr>
+              <a:t>This is the data processing for training, I divided the whole </a:t>
+            </a:r>
+            <a:r>
+              <a:rPr lang="en-US" sz="1200" kern="1200" dirty="0" err="1">
+                <a:solidFill>
+                  <a:schemeClr val="tx1"/>
+                </a:solidFill>
+                <a:effectLst/>
+                <a:latin typeface="+mn-lt"/>
+                <a:ea typeface="+mn-ea"/>
+                <a:cs typeface="+mn-cs"/>
+              </a:rPr>
+              <a:t>dateset</a:t>
+            </a:r>
+            <a:r>
+              <a:rPr lang="en-US" sz="1200" kern="1200" dirty="0">
+                <a:solidFill>
+                  <a:schemeClr val="tx1"/>
+                </a:solidFill>
+                <a:effectLst/>
+                <a:latin typeface="+mn-lt"/>
+                <a:ea typeface="+mn-ea"/>
+                <a:cs typeface="+mn-cs"/>
+              </a:rPr>
+              <a:t> to training and test for 9:1, and divide the training date in to training and cross </a:t>
+            </a:r>
+            <a:r>
+              <a:rPr lang="en-US" sz="1200" kern="1200" dirty="0" err="1">
+                <a:solidFill>
+                  <a:schemeClr val="tx1"/>
+                </a:solidFill>
+                <a:effectLst/>
+                <a:latin typeface="+mn-lt"/>
+                <a:ea typeface="+mn-ea"/>
+                <a:cs typeface="+mn-cs"/>
+              </a:rPr>
+              <a:t>validation，And</a:t>
+            </a:r>
+            <a:r>
+              <a:rPr lang="en-US" sz="1200" kern="1200" dirty="0">
+                <a:solidFill>
+                  <a:schemeClr val="tx1"/>
+                </a:solidFill>
+                <a:effectLst/>
+                <a:latin typeface="+mn-lt"/>
+                <a:ea typeface="+mn-ea"/>
+                <a:cs typeface="+mn-cs"/>
+              </a:rPr>
+              <a:t> then just as u see, the test one is using for test and compare results, the training data it is used for Building model, this one is used for </a:t>
+            </a:r>
+            <a:r>
+              <a:rPr lang="en-US" sz="1200" kern="1200" dirty="0" err="1">
+                <a:solidFill>
+                  <a:schemeClr val="tx1"/>
+                </a:solidFill>
+                <a:effectLst/>
+                <a:latin typeface="+mn-lt"/>
+                <a:ea typeface="+mn-ea"/>
+                <a:cs typeface="+mn-cs"/>
+              </a:rPr>
+              <a:t>crosss</a:t>
+            </a:r>
+            <a:r>
+              <a:rPr lang="en-US" sz="1200" kern="1200" dirty="0">
+                <a:solidFill>
+                  <a:schemeClr val="tx1"/>
+                </a:solidFill>
+                <a:effectLst/>
+                <a:latin typeface="+mn-lt"/>
+                <a:ea typeface="+mn-ea"/>
+                <a:cs typeface="+mn-cs"/>
+              </a:rPr>
+              <a:t> validated and Hyperparameter tuning</a:t>
+            </a:r>
+          </a:p>
+          <a:p>
+            <a:endParaRPr lang="en-US" dirty="0"/>
+          </a:p>
+        </p:txBody>
+      </p:sp>
+      <p:sp>
+        <p:nvSpPr>
+          <p:cNvPr id="4" name="Slide Number Placeholder 3"/>
+          <p:cNvSpPr>
+            <a:spLocks noGrp="1"/>
+          </p:cNvSpPr>
+          <p:nvPr>
+            <p:ph type="sldNum" sz="quarter" idx="5"/>
+          </p:nvPr>
+        </p:nvSpPr>
+        <p:spPr/>
+        <p:txBody>
+          <a:bodyPr/>
+          <a:lstStyle/>
+          <a:p>
+            <a:fld id="{11C4FE03-3BC3-3748-AF18-0EB43D2D7AEA}" type="slidenum">
+              <a:rPr lang="en-US" smtClean="0"/>
+              <a:t>5</a:t>
+            </a:fld>
+            <a:endParaRPr lang="en-US"/>
+          </a:p>
+        </p:txBody>
+      </p:sp>
+    </p:spTree>
+    <p:extLst>
+      <p:ext uri="{BB962C8B-B14F-4D97-AF65-F5344CB8AC3E}">
+        <p14:creationId xmlns:p14="http://schemas.microsoft.com/office/powerpoint/2010/main" val="2285950362"/>
+      </p:ext>
+    </p:extLst>
+  </p:cSld>
+  <p:clrMapOvr>
+    <a:masterClrMapping/>
+  </p:clrMapOvr>
+</p:notes>
+</file>
+
 <file path=ppt/slideLayouts/slideLayout1.xml><?xml version="1.0" encoding="utf-8"?>
 <p:sldLayout xmlns:a="http://schemas.openxmlformats.org/drawingml/2006/main" xmlns:r="http://schemas.openxmlformats.org/officeDocument/2006/relationships" xmlns:p="http://schemas.openxmlformats.org/presentationml/2006/main" type="title" preserve="1">
   <p:cSld name="Title Slide">
@@ -303,7 +1132,7 @@
           <a:p>
             <a:fld id="{4AAD347D-5ACD-4C99-B74B-A9C85AD731AF}" type="datetimeFigureOut">
               <a:rPr lang="en-US" dirty="0"/>
-              <a:t>12/6/2019</a:t>
+              <a:t>12/6/19</a:t>
             </a:fld>
             <a:endParaRPr lang="en-US" dirty="0"/>
           </a:p>
@@ -573,7 +1402,7 @@
           <a:p>
             <a:fld id="{4509A250-FF31-4206-8172-F9D3106AACB1}" type="datetimeFigureOut">
               <a:rPr lang="en-US" dirty="0"/>
-              <a:t>12/6/2019</a:t>
+              <a:t>12/6/19</a:t>
             </a:fld>
             <a:endParaRPr lang="en-US" dirty="0"/>
           </a:p>
@@ -762,7 +1591,7 @@
           <a:p>
             <a:fld id="{4509A250-FF31-4206-8172-F9D3106AACB1}" type="datetimeFigureOut">
               <a:rPr lang="en-US" dirty="0"/>
-              <a:t>12/6/2019</a:t>
+              <a:t>12/6/19</a:t>
             </a:fld>
             <a:endParaRPr lang="en-US" dirty="0"/>
           </a:p>
@@ -1030,7 +1859,7 @@
           <a:p>
             <a:fld id="{4509A250-FF31-4206-8172-F9D3106AACB1}" type="datetimeFigureOut">
               <a:rPr lang="en-US" dirty="0"/>
-              <a:t>12/6/2019</a:t>
+              <a:t>12/6/19</a:t>
             </a:fld>
             <a:endParaRPr lang="en-US" dirty="0"/>
           </a:p>
@@ -1366,7 +2195,7 @@
           <a:p>
             <a:fld id="{4509A250-FF31-4206-8172-F9D3106AACB1}" type="datetimeFigureOut">
               <a:rPr lang="en-US" dirty="0"/>
-              <a:t>12/6/2019</a:t>
+              <a:t>12/6/19</a:t>
             </a:fld>
             <a:endParaRPr lang="en-US" dirty="0"/>
           </a:p>
@@ -1984,7 +2813,7 @@
           <a:p>
             <a:fld id="{4509A250-FF31-4206-8172-F9D3106AACB1}" type="datetimeFigureOut">
               <a:rPr lang="en-US" dirty="0"/>
-              <a:t>12/6/2019</a:t>
+              <a:t>12/6/19</a:t>
             </a:fld>
             <a:endParaRPr lang="en-US" dirty="0"/>
           </a:p>
@@ -2839,7 +3668,7 @@
           <a:p>
             <a:fld id="{4509A250-FF31-4206-8172-F9D3106AACB1}" type="datetimeFigureOut">
               <a:rPr lang="en-US" dirty="0"/>
-              <a:t>12/6/2019</a:t>
+              <a:t>12/6/19</a:t>
             </a:fld>
             <a:endParaRPr lang="en-US" dirty="0"/>
           </a:p>
@@ -3004,7 +3833,7 @@
           <a:p>
             <a:fld id="{4509A250-FF31-4206-8172-F9D3106AACB1}" type="datetimeFigureOut">
               <a:rPr lang="en-US" dirty="0"/>
-              <a:t>12/6/2019</a:t>
+              <a:t>12/6/19</a:t>
             </a:fld>
             <a:endParaRPr lang="en-US" dirty="0"/>
           </a:p>
@@ -3179,7 +4008,7 @@
           <a:p>
             <a:fld id="{4509A250-FF31-4206-8172-F9D3106AACB1}" type="datetimeFigureOut">
               <a:rPr lang="en-US" dirty="0"/>
-              <a:t>12/6/2019</a:t>
+              <a:t>12/6/19</a:t>
             </a:fld>
             <a:endParaRPr lang="en-US" dirty="0"/>
           </a:p>
@@ -3344,7 +4173,7 @@
           <a:p>
             <a:fld id="{4509A250-FF31-4206-8172-F9D3106AACB1}" type="datetimeFigureOut">
               <a:rPr lang="en-US" dirty="0"/>
-              <a:t>12/6/2019</a:t>
+              <a:t>12/6/19</a:t>
             </a:fld>
             <a:endParaRPr lang="en-US" dirty="0"/>
           </a:p>
@@ -3586,7 +4415,7 @@
           <a:p>
             <a:fld id="{9796027F-7875-4030-9381-8BD8C4F21935}" type="datetimeFigureOut">
               <a:rPr lang="en-US" dirty="0"/>
-              <a:t>12/6/2019</a:t>
+              <a:t>12/6/19</a:t>
             </a:fld>
             <a:endParaRPr lang="en-US" dirty="0"/>
           </a:p>
@@ -3873,7 +4702,7 @@
           <a:p>
             <a:fld id="{9796027F-7875-4030-9381-8BD8C4F21935}" type="datetimeFigureOut">
               <a:rPr lang="en-US" dirty="0"/>
-              <a:t>12/6/2019</a:t>
+              <a:t>12/6/19</a:t>
             </a:fld>
             <a:endParaRPr lang="en-US" dirty="0"/>
           </a:p>
@@ -4312,7 +5141,7 @@
           <a:p>
             <a:fld id="{9796027F-7875-4030-9381-8BD8C4F21935}" type="datetimeFigureOut">
               <a:rPr lang="en-US" dirty="0"/>
-              <a:t>12/6/2019</a:t>
+              <a:t>12/6/19</a:t>
             </a:fld>
             <a:endParaRPr lang="en-US" dirty="0"/>
           </a:p>
@@ -4425,7 +5254,7 @@
           <a:p>
             <a:fld id="{4509A250-FF31-4206-8172-F9D3106AACB1}" type="datetimeFigureOut">
               <a:rPr lang="en-US" dirty="0"/>
-              <a:t>12/6/2019</a:t>
+              <a:t>12/6/19</a:t>
             </a:fld>
             <a:endParaRPr lang="en-US" dirty="0"/>
           </a:p>
@@ -4515,7 +5344,7 @@
           <a:p>
             <a:fld id="{4509A250-FF31-4206-8172-F9D3106AACB1}" type="datetimeFigureOut">
               <a:rPr lang="en-US" dirty="0"/>
-              <a:t>12/6/2019</a:t>
+              <a:t>12/6/19</a:t>
             </a:fld>
             <a:endParaRPr lang="en-US" dirty="0"/>
           </a:p>
@@ -4789,7 +5618,7 @@
           <a:p>
             <a:fld id="{4509A250-FF31-4206-8172-F9D3106AACB1}" type="datetimeFigureOut">
               <a:rPr lang="en-US" dirty="0"/>
-              <a:t>12/6/2019</a:t>
+              <a:t>12/6/19</a:t>
             </a:fld>
             <a:endParaRPr lang="en-US" dirty="0"/>
           </a:p>
@@ -5059,7 +5888,7 @@
           <a:p>
             <a:fld id="{4509A250-FF31-4206-8172-F9D3106AACB1}" type="datetimeFigureOut">
               <a:rPr lang="en-US" dirty="0"/>
-              <a:t>12/6/2019</a:t>
+              <a:t>12/6/19</a:t>
             </a:fld>
             <a:endParaRPr lang="en-US" dirty="0"/>
           </a:p>
@@ -5483,7 +6312,7 @@
           <a:p>
             <a:fld id="{4AAD347D-5ACD-4C99-B74B-A9C85AD731AF}" type="datetimeFigureOut">
               <a:rPr lang="en-US" dirty="0"/>
-              <a:t>12/6/2019</a:t>
+              <a:t>12/6/19</a:t>
             </a:fld>
             <a:endParaRPr lang="en-US" dirty="0"/>
           </a:p>
@@ -6123,7 +6952,7 @@
           <p:cNvPr id="2" name="Title 1">
             <a:extLst>
               <a:ext uri="{FF2B5EF4-FFF2-40B4-BE49-F238E27FC236}">
-                <a16:creationId xmlns:a16="http://schemas.microsoft.com/office/drawing/2014/main" id="{8DF1391A-CF21-1A42-83D5-7FFDFD34925B}"/>
+                <a16:creationId xmlns:a16="http://schemas.microsoft.com/office/drawing/2014/main" id="{8BBBD986-B347-C44A-AC95-A0B951D5798A}"/>
               </a:ext>
             </a:extLst>
           </p:cNvPr>
@@ -6134,20 +6963,12 @@
             <p:ph type="title"/>
           </p:nvPr>
         </p:nvSpPr>
-        <p:spPr>
-          <a:xfrm>
-            <a:off x="646111" y="452718"/>
-            <a:ext cx="10260821" cy="1015746"/>
-          </a:xfrm>
-        </p:spPr>
+        <p:spPr/>
         <p:txBody>
           <a:bodyPr/>
           <a:lstStyle/>
           <a:p>
-            <a:r>
-              <a:rPr lang="en-US" dirty="0"/>
-              <a:t>Data Processing &amp; Code Optimization</a:t>
-            </a:r>
+            <a:endParaRPr lang="en-US" dirty="0"/>
           </a:p>
         </p:txBody>
       </p:sp>
@@ -6156,7 +6977,7 @@
           <p:cNvPr id="3" name="Content Placeholder 2">
             <a:extLst>
               <a:ext uri="{FF2B5EF4-FFF2-40B4-BE49-F238E27FC236}">
-                <a16:creationId xmlns:a16="http://schemas.microsoft.com/office/drawing/2014/main" id="{5EAECE01-9B52-F342-B535-49526DAFBB4E}"/>
+                <a16:creationId xmlns:a16="http://schemas.microsoft.com/office/drawing/2014/main" id="{21B95F39-7DA6-4349-B009-7D660C8007F9}"/>
               </a:ext>
             </a:extLst>
           </p:cNvPr>
@@ -6167,12 +6988,7 @@
             <p:ph idx="1"/>
           </p:nvPr>
         </p:nvSpPr>
-        <p:spPr>
-          <a:xfrm>
-            <a:off x="529875" y="1417488"/>
-            <a:ext cx="9462657" cy="5022058"/>
-          </a:xfrm>
-        </p:spPr>
+        <p:spPr/>
         <p:txBody>
           <a:bodyPr>
             <a:normAutofit/>
@@ -6180,89 +6996,18 @@
           <a:lstStyle/>
           <a:p>
             <a:r>
-              <a:rPr lang="en-US" dirty="0"/>
-              <a:t>1. Clean data</a:t>
-            </a:r>
-          </a:p>
-          <a:p>
-            <a:r>
-              <a:rPr lang="en-US" dirty="0"/>
-              <a:t>2. Create Dataset of each files</a:t>
-            </a:r>
-          </a:p>
-          <a:p>
-            <a:r>
-              <a:rPr lang="en-US" dirty="0"/>
-              <a:t>3. Union/Join tables to connect the data</a:t>
-            </a:r>
-          </a:p>
-          <a:p>
-            <a:r>
-              <a:rPr lang="en-US" dirty="0"/>
-              <a:t>4. Transform the Streaming data from other host</a:t>
-            </a:r>
-          </a:p>
-          <a:p>
-            <a:r>
-              <a:rPr lang="en-US" dirty="0"/>
-              <a:t>5. Update the previous dataset for the upcoming ML</a:t>
-            </a:r>
-          </a:p>
-          <a:p>
-            <a:r>
-              <a:rPr lang="en-US" dirty="0"/>
-              <a:t>6. Optimization</a:t>
-            </a:r>
-          </a:p>
-          <a:p>
-            <a:pPr lvl="1"/>
-            <a:r>
-              <a:rPr lang="en-US" dirty="0"/>
-              <a:t>A."spark.storage.memoryFraction","0.6"</a:t>
-            </a:r>
-          </a:p>
-          <a:p>
-            <a:pPr lvl="1"/>
-            <a:r>
-              <a:rPr lang="en-US" dirty="0"/>
-              <a:t>B. "spark.shuffle.file.buffer","64"</a:t>
-            </a:r>
-          </a:p>
-          <a:p>
-            <a:pPr lvl="1"/>
-            <a:r>
-              <a:rPr lang="en-US" dirty="0"/>
-              <a:t>C. "</a:t>
-            </a:r>
-            <a:r>
-              <a:rPr lang="en-US" dirty="0" err="1"/>
-              <a:t>spark.serializer</a:t>
-            </a:r>
-            <a:r>
-              <a:rPr lang="en-US" dirty="0"/>
-              <a:t>", "</a:t>
-            </a:r>
-            <a:r>
-              <a:rPr lang="en-US" dirty="0" err="1"/>
-              <a:t>org.apache.spark.serializer.KryoSerializer</a:t>
-            </a:r>
-            <a:r>
-              <a:rPr lang="en-US" dirty="0"/>
-              <a:t>“</a:t>
-            </a:r>
-          </a:p>
-          <a:p>
-            <a:pPr lvl="1"/>
-            <a:r>
-              <a:rPr lang="en-US" dirty="0"/>
-              <a:t>D. "spark.shuffle.sort.bypassMergeThreshold","300“</a:t>
-            </a:r>
-          </a:p>
-          <a:p>
-            <a:pPr lvl="1"/>
-            <a:r>
-              <a:rPr lang="en-US" dirty="0"/>
-              <a:t>E. data persistence level</a:t>
+              <a:rPr lang="en-US" sz="2500" dirty="0"/>
+              <a:t>In this project, we use the dataset for </a:t>
+            </a:r>
+            <a:r>
+              <a:rPr lang="en-US" sz="2500" dirty="0">
+                <a:hlinkClick r:id="rId3"/>
+              </a:rPr>
+              <a:t>Road Safety Data</a:t>
+            </a:r>
+            <a:r>
+              <a:rPr lang="en-US" sz="2500" dirty="0"/>
+              <a:t>, analysis the relationship between different variables, train the data using Linear Regression and Decision Tree by Spark, and then get some useful information from the results.</a:t>
             </a:r>
           </a:p>
         </p:txBody>
@@ -6270,7 +7015,7 @@
     </p:spTree>
     <p:extLst>
       <p:ext uri="{BB962C8B-B14F-4D97-AF65-F5344CB8AC3E}">
-        <p14:creationId xmlns:p14="http://schemas.microsoft.com/office/powerpoint/2010/main" val="2738689030"/>
+        <p14:creationId xmlns:p14="http://schemas.microsoft.com/office/powerpoint/2010/main" val="1244314020"/>
       </p:ext>
     </p:extLst>
   </p:cSld>
@@ -6302,7 +7047,7 @@
           <p:cNvPr id="2" name="Title 1">
             <a:extLst>
               <a:ext uri="{FF2B5EF4-FFF2-40B4-BE49-F238E27FC236}">
-                <a16:creationId xmlns:a16="http://schemas.microsoft.com/office/drawing/2014/main" id="{1F1E9D92-D895-9342-A54B-239226DBBF25}"/>
+                <a16:creationId xmlns:a16="http://schemas.microsoft.com/office/drawing/2014/main" id="{8DF1391A-CF21-1A42-83D5-7FFDFD34925B}"/>
               </a:ext>
             </a:extLst>
           </p:cNvPr>
@@ -6313,14 +7058,19 @@
             <p:ph type="title"/>
           </p:nvPr>
         </p:nvSpPr>
-        <p:spPr/>
+        <p:spPr>
+          <a:xfrm>
+            <a:off x="646111" y="452718"/>
+            <a:ext cx="10260821" cy="1015746"/>
+          </a:xfrm>
+        </p:spPr>
         <p:txBody>
           <a:bodyPr/>
           <a:lstStyle/>
           <a:p>
             <a:r>
               <a:rPr lang="en-US" dirty="0"/>
-              <a:t>Data training</a:t>
+              <a:t>Data Processing &amp; Code Optimization</a:t>
             </a:r>
           </a:p>
         </p:txBody>
@@ -6330,7 +7080,7 @@
           <p:cNvPr id="3" name="Content Placeholder 2">
             <a:extLst>
               <a:ext uri="{FF2B5EF4-FFF2-40B4-BE49-F238E27FC236}">
-                <a16:creationId xmlns:a16="http://schemas.microsoft.com/office/drawing/2014/main" id="{2930A59B-DC8E-3142-B6B0-27FCE3BAAF8F}"/>
+                <a16:creationId xmlns:a16="http://schemas.microsoft.com/office/drawing/2014/main" id="{5EAECE01-9B52-F342-B535-49526DAFBB4E}"/>
               </a:ext>
             </a:extLst>
           </p:cNvPr>
@@ -6341,7 +7091,12 @@
             <p:ph idx="1"/>
           </p:nvPr>
         </p:nvSpPr>
-        <p:spPr/>
+        <p:spPr>
+          <a:xfrm>
+            <a:off x="529875" y="1417488"/>
+            <a:ext cx="9462657" cy="5022058"/>
+          </a:xfrm>
+        </p:spPr>
         <p:txBody>
           <a:bodyPr>
             <a:normAutofit/>
@@ -6349,63 +7104,97 @@
           <a:lstStyle/>
           <a:p>
             <a:r>
-              <a:rPr lang="en-US" sz="3200" dirty="0"/>
-              <a:t>Package – </a:t>
-            </a:r>
-          </a:p>
-          <a:p>
-            <a:pPr marL="0" indent="0">
-              <a:buNone/>
-            </a:pPr>
-            <a:r>
-              <a:rPr lang="en-US" sz="3200" dirty="0"/>
-              <a:t>              </a:t>
-            </a:r>
-            <a:r>
-              <a:rPr lang="en-US" sz="3200" dirty="0" err="1"/>
-              <a:t>org.apache.spark.ml</a:t>
-            </a:r>
-            <a:endParaRPr lang="en-US" sz="3200" dirty="0"/>
-          </a:p>
-          <a:p>
-            <a:r>
-              <a:rPr lang="en-US" sz="3200" dirty="0"/>
-              <a:t>Regression – </a:t>
-            </a:r>
-          </a:p>
-          <a:p>
-            <a:pPr marL="0" indent="0">
-              <a:buNone/>
-            </a:pPr>
-            <a:r>
-              <a:rPr lang="en-US" sz="3200" dirty="0"/>
-              <a:t>              Linear Regression &amp; Decision Tree</a:t>
-            </a:r>
-          </a:p>
-          <a:p>
-            <a:r>
-              <a:rPr lang="en-US" sz="3200" dirty="0"/>
-              <a:t>Improve – </a:t>
-            </a:r>
-          </a:p>
-          <a:p>
-            <a:pPr marL="0" indent="0">
-              <a:buNone/>
-            </a:pPr>
-            <a:r>
-              <a:rPr lang="en-US" sz="3200" dirty="0"/>
-              <a:t>               Cross-Validation &amp; Parametric Grid</a:t>
-            </a:r>
-          </a:p>
-          <a:p>
-            <a:endParaRPr lang="en-US" dirty="0"/>
+              <a:rPr lang="en-US" dirty="0"/>
+              <a:t>1. Clean data</a:t>
+            </a:r>
+          </a:p>
+          <a:p>
+            <a:r>
+              <a:rPr lang="en-US" dirty="0"/>
+              <a:t>2. Create Dataset of each files</a:t>
+            </a:r>
+          </a:p>
+          <a:p>
+            <a:r>
+              <a:rPr lang="en-US" dirty="0"/>
+              <a:t>3. Union/Join tables to connect the data</a:t>
+            </a:r>
+          </a:p>
+          <a:p>
+            <a:r>
+              <a:rPr lang="en-US" dirty="0"/>
+              <a:t>4. Transform the Streaming data from other host</a:t>
+            </a:r>
+          </a:p>
+          <a:p>
+            <a:r>
+              <a:rPr lang="en-US" dirty="0"/>
+              <a:t>5. Update the previous dataset for the upcoming ML</a:t>
+            </a:r>
+          </a:p>
+          <a:p>
+            <a:r>
+              <a:rPr lang="en-US" dirty="0"/>
+              <a:t>6. Optimization</a:t>
+            </a:r>
+          </a:p>
+          <a:p>
+            <a:pPr lvl="1"/>
+            <a:r>
+              <a:rPr lang="en-US" dirty="0"/>
+              <a:t>A."spark.storage.memoryFraction","0.6"</a:t>
+            </a:r>
+          </a:p>
+          <a:p>
+            <a:pPr lvl="1"/>
+            <a:r>
+              <a:rPr lang="en-US" dirty="0"/>
+              <a:t>B. "spark.shuffle.file.buffer","64"</a:t>
+            </a:r>
+          </a:p>
+          <a:p>
+            <a:pPr lvl="1"/>
+            <a:r>
+              <a:rPr lang="en-US" dirty="0"/>
+              <a:t>C. "</a:t>
+            </a:r>
+            <a:r>
+              <a:rPr lang="en-US" dirty="0" err="1"/>
+              <a:t>spark.serializer</a:t>
+            </a:r>
+            <a:r>
+              <a:rPr lang="en-US" dirty="0"/>
+              <a:t>", "</a:t>
+            </a:r>
+            <a:r>
+              <a:rPr lang="en-US" dirty="0" err="1"/>
+              <a:t>org.apache.spark.serializer.KryoSerializer</a:t>
+            </a:r>
+            <a:r>
+              <a:rPr lang="en-US" dirty="0"/>
+              <a:t>“</a:t>
+            </a:r>
+          </a:p>
+          <a:p>
+            <a:pPr lvl="1"/>
+            <a:r>
+              <a:rPr lang="en-US" dirty="0"/>
+              <a:t>D. "spark.shuffle.sort.bypassMergeThreshold","300“</a:t>
+            </a:r>
+          </a:p>
+          <a:p>
+            <a:pPr lvl="1"/>
+            <a:r>
+              <a:rPr lang="en-US" dirty="0"/>
+              <a:t>E. data persistence level</a:t>
+            </a:r>
           </a:p>
         </p:txBody>
       </p:sp>
     </p:spTree>
     <p:extLst>
       <p:ext uri="{BB962C8B-B14F-4D97-AF65-F5344CB8AC3E}">
-        <p14:creationId xmlns:p14="http://schemas.microsoft.com/office/powerpoint/2010/main" val="1793266488"/>
+        <p14:creationId xmlns:p14="http://schemas.microsoft.com/office/powerpoint/2010/main" val="2738689030"/>
       </p:ext>
     </p:extLst>
   </p:cSld>
@@ -6437,7 +7226,7 @@
           <p:cNvPr id="2" name="Title 1">
             <a:extLst>
               <a:ext uri="{FF2B5EF4-FFF2-40B4-BE49-F238E27FC236}">
-                <a16:creationId xmlns:a16="http://schemas.microsoft.com/office/drawing/2014/main" id="{0256CF27-3591-5C41-BC82-36BAC491CB59}"/>
+                <a16:creationId xmlns:a16="http://schemas.microsoft.com/office/drawing/2014/main" id="{1F1E9D92-D895-9342-A54B-239226DBBF25}"/>
               </a:ext>
             </a:extLst>
           </p:cNvPr>
@@ -6460,39 +7249,87 @@
           </a:p>
         </p:txBody>
       </p:sp>
-      <p:pic>
-        <p:nvPicPr>
-          <p:cNvPr id="5" name="Content Placeholder 4" descr="A screenshot of a cell phone&#10;&#10;Description automatically generated">
+      <p:sp>
+        <p:nvSpPr>
+          <p:cNvPr id="3" name="Content Placeholder 2">
             <a:extLst>
               <a:ext uri="{FF2B5EF4-FFF2-40B4-BE49-F238E27FC236}">
-                <a16:creationId xmlns:a16="http://schemas.microsoft.com/office/drawing/2014/main" id="{18AB40D2-A6C2-5549-8FD7-9291D8D32ABF}"/>
+                <a16:creationId xmlns:a16="http://schemas.microsoft.com/office/drawing/2014/main" id="{2930A59B-DC8E-3142-B6B0-27FCE3BAAF8F}"/>
               </a:ext>
             </a:extLst>
           </p:cNvPr>
-          <p:cNvPicPr>
-            <a:picLocks noGrp="1" noChangeAspect="1"/>
-          </p:cNvPicPr>
+          <p:cNvSpPr>
+            <a:spLocks noGrp="1"/>
+          </p:cNvSpPr>
           <p:nvPr>
             <p:ph idx="1"/>
           </p:nvPr>
-        </p:nvPicPr>
-        <p:blipFill>
-          <a:blip r:embed="rId2"/>
-          <a:stretch>
-            <a:fillRect/>
-          </a:stretch>
-        </p:blipFill>
-        <p:spPr>
-          <a:xfrm>
-            <a:off x="1404896" y="1976278"/>
-            <a:ext cx="8964764" cy="3792785"/>
-          </a:xfrm>
-        </p:spPr>
-      </p:pic>
+        </p:nvSpPr>
+        <p:spPr/>
+        <p:txBody>
+          <a:bodyPr>
+            <a:normAutofit/>
+          </a:bodyPr>
+          <a:lstStyle/>
+          <a:p>
+            <a:r>
+              <a:rPr lang="en-US" sz="3200" dirty="0"/>
+              <a:t>Package – </a:t>
+            </a:r>
+          </a:p>
+          <a:p>
+            <a:pPr marL="0" indent="0">
+              <a:buNone/>
+            </a:pPr>
+            <a:r>
+              <a:rPr lang="en-US" sz="3200" dirty="0"/>
+              <a:t>              </a:t>
+            </a:r>
+            <a:r>
+              <a:rPr lang="en-US" sz="3200" dirty="0" err="1"/>
+              <a:t>org.apache.spark.ml</a:t>
+            </a:r>
+            <a:endParaRPr lang="en-US" sz="3200" dirty="0"/>
+          </a:p>
+          <a:p>
+            <a:r>
+              <a:rPr lang="en-US" sz="3200" dirty="0"/>
+              <a:t>Regression – </a:t>
+            </a:r>
+          </a:p>
+          <a:p>
+            <a:pPr marL="0" indent="0">
+              <a:buNone/>
+            </a:pPr>
+            <a:r>
+              <a:rPr lang="en-US" sz="3200" dirty="0"/>
+              <a:t>              Linear Regression &amp; Decision Tree</a:t>
+            </a:r>
+          </a:p>
+          <a:p>
+            <a:r>
+              <a:rPr lang="en-US" sz="3200" dirty="0"/>
+              <a:t>Improve – </a:t>
+            </a:r>
+          </a:p>
+          <a:p>
+            <a:pPr marL="0" indent="0">
+              <a:buNone/>
+            </a:pPr>
+            <a:r>
+              <a:rPr lang="en-US" sz="3200" dirty="0"/>
+              <a:t>               Cross-Validation &amp; Parametric Grid</a:t>
+            </a:r>
+          </a:p>
+          <a:p>
+            <a:endParaRPr lang="en-US" dirty="0"/>
+          </a:p>
+        </p:txBody>
+      </p:sp>
     </p:spTree>
     <p:extLst>
       <p:ext uri="{BB962C8B-B14F-4D97-AF65-F5344CB8AC3E}">
-        <p14:creationId xmlns:p14="http://schemas.microsoft.com/office/powerpoint/2010/main" val="4289022736"/>
+        <p14:creationId xmlns:p14="http://schemas.microsoft.com/office/powerpoint/2010/main" val="1793266488"/>
       </p:ext>
     </p:extLst>
   </p:cSld>
@@ -6524,6 +7361,93 @@
           <p:cNvPr id="2" name="Title 1">
             <a:extLst>
               <a:ext uri="{FF2B5EF4-FFF2-40B4-BE49-F238E27FC236}">
+                <a16:creationId xmlns:a16="http://schemas.microsoft.com/office/drawing/2014/main" id="{0256CF27-3591-5C41-BC82-36BAC491CB59}"/>
+              </a:ext>
+            </a:extLst>
+          </p:cNvPr>
+          <p:cNvSpPr>
+            <a:spLocks noGrp="1"/>
+          </p:cNvSpPr>
+          <p:nvPr>
+            <p:ph type="title"/>
+          </p:nvPr>
+        </p:nvSpPr>
+        <p:spPr/>
+        <p:txBody>
+          <a:bodyPr/>
+          <a:lstStyle/>
+          <a:p>
+            <a:r>
+              <a:rPr lang="en-US" dirty="0"/>
+              <a:t>Data training</a:t>
+            </a:r>
+          </a:p>
+        </p:txBody>
+      </p:sp>
+      <p:pic>
+        <p:nvPicPr>
+          <p:cNvPr id="5" name="Content Placeholder 4" descr="A screenshot of a cell phone&#10;&#10;Description automatically generated">
+            <a:extLst>
+              <a:ext uri="{FF2B5EF4-FFF2-40B4-BE49-F238E27FC236}">
+                <a16:creationId xmlns:a16="http://schemas.microsoft.com/office/drawing/2014/main" id="{18AB40D2-A6C2-5549-8FD7-9291D8D32ABF}"/>
+              </a:ext>
+            </a:extLst>
+          </p:cNvPr>
+          <p:cNvPicPr>
+            <a:picLocks noGrp="1" noChangeAspect="1"/>
+          </p:cNvPicPr>
+          <p:nvPr>
+            <p:ph idx="1"/>
+          </p:nvPr>
+        </p:nvPicPr>
+        <p:blipFill>
+          <a:blip r:embed="rId3"/>
+          <a:stretch>
+            <a:fillRect/>
+          </a:stretch>
+        </p:blipFill>
+        <p:spPr>
+          <a:xfrm>
+            <a:off x="1404896" y="1976278"/>
+            <a:ext cx="8964764" cy="3792785"/>
+          </a:xfrm>
+        </p:spPr>
+      </p:pic>
+    </p:spTree>
+    <p:extLst>
+      <p:ext uri="{BB962C8B-B14F-4D97-AF65-F5344CB8AC3E}">
+        <p14:creationId xmlns:p14="http://schemas.microsoft.com/office/powerpoint/2010/main" val="4289022736"/>
+      </p:ext>
+    </p:extLst>
+  </p:cSld>
+  <p:clrMapOvr>
+    <a:masterClrMapping/>
+  </p:clrMapOvr>
+</p:sld>
+</file>
+
+<file path=ppt/slides/slide6.xml><?xml version="1.0" encoding="utf-8"?>
+<p:sld xmlns:a="http://schemas.openxmlformats.org/drawingml/2006/main" xmlns:r="http://schemas.openxmlformats.org/officeDocument/2006/relationships" xmlns:p="http://schemas.openxmlformats.org/presentationml/2006/main">
+  <p:cSld>
+    <p:spTree>
+      <p:nvGrpSpPr>
+        <p:cNvPr id="1" name=""/>
+        <p:cNvGrpSpPr/>
+        <p:nvPr/>
+      </p:nvGrpSpPr>
+      <p:grpSpPr>
+        <a:xfrm>
+          <a:off x="0" y="0"/>
+          <a:ext cx="0" cy="0"/>
+          <a:chOff x="0" y="0"/>
+          <a:chExt cx="0" cy="0"/>
+        </a:xfrm>
+      </p:grpSpPr>
+      <p:sp>
+        <p:nvSpPr>
+          <p:cNvPr id="2" name="Title 1">
+            <a:extLst>
+              <a:ext uri="{FF2B5EF4-FFF2-40B4-BE49-F238E27FC236}">
                 <a16:creationId xmlns:a16="http://schemas.microsoft.com/office/drawing/2014/main" id="{A732F2F3-ED0D-8E43-927E-D5055B7498EC}"/>
               </a:ext>
             </a:extLst>
@@ -6626,7 +7550,7 @@
 </p:sld>
 </file>
 
-<file path=ppt/slides/slide6.xml><?xml version="1.0" encoding="utf-8"?>
+<file path=ppt/slides/slide7.xml><?xml version="1.0" encoding="utf-8"?>
 <p:sld xmlns:a="http://schemas.openxmlformats.org/drawingml/2006/main" xmlns:r="http://schemas.openxmlformats.org/officeDocument/2006/relationships" xmlns:p="http://schemas.openxmlformats.org/presentationml/2006/main">
   <p:cSld>
     <p:spTree>
@@ -6980,4 +7904,299 @@
     </a:ext>
   </a:extLst>
 </a:theme>
+</file>
+
+<file path=ppt/theme/theme2.xml><?xml version="1.0" encoding="utf-8"?>
+<a:theme xmlns:a="http://schemas.openxmlformats.org/drawingml/2006/main" name="Office Theme">
+  <a:themeElements>
+    <a:clrScheme name="Office">
+      <a:dk1>
+        <a:sysClr val="windowText" lastClr="000000"/>
+      </a:dk1>
+      <a:lt1>
+        <a:sysClr val="window" lastClr="FFFFFF"/>
+      </a:lt1>
+      <a:dk2>
+        <a:srgbClr val="44546A"/>
+      </a:dk2>
+      <a:lt2>
+        <a:srgbClr val="E7E6E6"/>
+      </a:lt2>
+      <a:accent1>
+        <a:srgbClr val="4472C4"/>
+      </a:accent1>
+      <a:accent2>
+        <a:srgbClr val="ED7D31"/>
+      </a:accent2>
+      <a:accent3>
+        <a:srgbClr val="A5A5A5"/>
+      </a:accent3>
+      <a:accent4>
+        <a:srgbClr val="FFC000"/>
+      </a:accent4>
+      <a:accent5>
+        <a:srgbClr val="5B9BD5"/>
+      </a:accent5>
+      <a:accent6>
+        <a:srgbClr val="70AD47"/>
+      </a:accent6>
+      <a:hlink>
+        <a:srgbClr val="0563C1"/>
+      </a:hlink>
+      <a:folHlink>
+        <a:srgbClr val="954F72"/>
+      </a:folHlink>
+    </a:clrScheme>
+    <a:fontScheme name="Office">
+      <a:majorFont>
+        <a:latin typeface="Calibri Light" panose="020F0302020204030204"/>
+        <a:ea typeface=""/>
+        <a:cs typeface=""/>
+        <a:font script="Jpan" typeface="游ゴシック Light"/>
+        <a:font script="Hang" typeface="맑은 고딕"/>
+        <a:font script="Hans" typeface="等线 Light"/>
+        <a:font script="Hant" typeface="新細明體"/>
+        <a:font script="Arab" typeface="Times New Roman"/>
+        <a:font script="Hebr" typeface="Times New Roman"/>
+        <a:font script="Thai" typeface="Angsana New"/>
+        <a:font script="Ethi" typeface="Nyala"/>
+        <a:font script="Beng" typeface="Vrinda"/>
+        <a:font script="Gujr" typeface="Shruti"/>
+        <a:font script="Khmr" typeface="MoolBoran"/>
+        <a:font script="Knda" typeface="Tunga"/>
+        <a:font script="Guru" typeface="Raavi"/>
+        <a:font script="Cans" typeface="Euphemia"/>
+        <a:font script="Cher" typeface="Plantagenet Cherokee"/>
+        <a:font script="Yiii" typeface="Microsoft Yi Baiti"/>
+        <a:font script="Tibt" typeface="Microsoft Himalaya"/>
+        <a:font script="Thaa" typeface="MV Boli"/>
+        <a:font script="Deva" typeface="Mangal"/>
+        <a:font script="Telu" typeface="Gautami"/>
+        <a:font script="Taml" typeface="Latha"/>
+        <a:font script="Syrc" typeface="Estrangelo Edessa"/>
+        <a:font script="Orya" typeface="Kalinga"/>
+        <a:font script="Mlym" typeface="Kartika"/>
+        <a:font script="Laoo" typeface="DokChampa"/>
+        <a:font script="Sinh" typeface="Iskoola Pota"/>
+        <a:font script="Mong" typeface="Mongolian Baiti"/>
+        <a:font script="Viet" typeface="Times New Roman"/>
+        <a:font script="Uigh" typeface="Microsoft Uighur"/>
+        <a:font script="Geor" typeface="Sylfaen"/>
+        <a:font script="Armn" typeface="Arial"/>
+        <a:font script="Bugi" typeface="Leelawadee UI"/>
+        <a:font script="Bopo" typeface="Microsoft JhengHei"/>
+        <a:font script="Java" typeface="Javanese Text"/>
+        <a:font script="Lisu" typeface="Segoe UI"/>
+        <a:font script="Mymr" typeface="Myanmar Text"/>
+        <a:font script="Nkoo" typeface="Ebrima"/>
+        <a:font script="Olck" typeface="Nirmala UI"/>
+        <a:font script="Osma" typeface="Ebrima"/>
+        <a:font script="Phag" typeface="Phagspa"/>
+        <a:font script="Syrn" typeface="Estrangelo Edessa"/>
+        <a:font script="Syrj" typeface="Estrangelo Edessa"/>
+        <a:font script="Syre" typeface="Estrangelo Edessa"/>
+        <a:font script="Sora" typeface="Nirmala UI"/>
+        <a:font script="Tale" typeface="Microsoft Tai Le"/>
+        <a:font script="Talu" typeface="Microsoft New Tai Lue"/>
+        <a:font script="Tfng" typeface="Ebrima"/>
+      </a:majorFont>
+      <a:minorFont>
+        <a:latin typeface="Calibri" panose="020F0502020204030204"/>
+        <a:ea typeface=""/>
+        <a:cs typeface=""/>
+        <a:font script="Jpan" typeface="游ゴシック"/>
+        <a:font script="Hang" typeface="맑은 고딕"/>
+        <a:font script="Hans" typeface="等线"/>
+        <a:font script="Hant" typeface="新細明體"/>
+        <a:font script="Arab" typeface="Arial"/>
+        <a:font script="Hebr" typeface="Arial"/>
+        <a:font script="Thai" typeface="Cordia New"/>
+        <a:font script="Ethi" typeface="Nyala"/>
+        <a:font script="Beng" typeface="Vrinda"/>
+        <a:font script="Gujr" typeface="Shruti"/>
+        <a:font script="Khmr" typeface="DaunPenh"/>
+        <a:font script="Knda" typeface="Tunga"/>
+        <a:font script="Guru" typeface="Raavi"/>
+        <a:font script="Cans" typeface="Euphemia"/>
+        <a:font script="Cher" typeface="Plantagenet Cherokee"/>
+        <a:font script="Yiii" typeface="Microsoft Yi Baiti"/>
+        <a:font script="Tibt" typeface="Microsoft Himalaya"/>
+        <a:font script="Thaa" typeface="MV Boli"/>
+        <a:font script="Deva" typeface="Mangal"/>
+        <a:font script="Telu" typeface="Gautami"/>
+        <a:font script="Taml" typeface="Latha"/>
+        <a:font script="Syrc" typeface="Estrangelo Edessa"/>
+        <a:font script="Orya" typeface="Kalinga"/>
+        <a:font script="Mlym" typeface="Kartika"/>
+        <a:font script="Laoo" typeface="DokChampa"/>
+        <a:font script="Sinh" typeface="Iskoola Pota"/>
+        <a:font script="Mong" typeface="Mongolian Baiti"/>
+        <a:font script="Viet" typeface="Arial"/>
+        <a:font script="Uigh" typeface="Microsoft Uighur"/>
+        <a:font script="Geor" typeface="Sylfaen"/>
+        <a:font script="Armn" typeface="Arial"/>
+        <a:font script="Bugi" typeface="Leelawadee UI"/>
+        <a:font script="Bopo" typeface="Microsoft JhengHei"/>
+        <a:font script="Java" typeface="Javanese Text"/>
+        <a:font script="Lisu" typeface="Segoe UI"/>
+        <a:font script="Mymr" typeface="Myanmar Text"/>
+        <a:font script="Nkoo" typeface="Ebrima"/>
+        <a:font script="Olck" typeface="Nirmala UI"/>
+        <a:font script="Osma" typeface="Ebrima"/>
+        <a:font script="Phag" typeface="Phagspa"/>
+        <a:font script="Syrn" typeface="Estrangelo Edessa"/>
+        <a:font script="Syrj" typeface="Estrangelo Edessa"/>
+        <a:font script="Syre" typeface="Estrangelo Edessa"/>
+        <a:font script="Sora" typeface="Nirmala UI"/>
+        <a:font script="Tale" typeface="Microsoft Tai Le"/>
+        <a:font script="Talu" typeface="Microsoft New Tai Lue"/>
+        <a:font script="Tfng" typeface="Ebrima"/>
+      </a:minorFont>
+    </a:fontScheme>
+    <a:fmtScheme name="Office">
+      <a:fillStyleLst>
+        <a:solidFill>
+          <a:schemeClr val="phClr"/>
+        </a:solidFill>
+        <a:gradFill rotWithShape="1">
+          <a:gsLst>
+            <a:gs pos="0">
+              <a:schemeClr val="phClr">
+                <a:lumMod val="110000"/>
+                <a:satMod val="105000"/>
+                <a:tint val="67000"/>
+              </a:schemeClr>
+            </a:gs>
+            <a:gs pos="50000">
+              <a:schemeClr val="phClr">
+                <a:lumMod val="105000"/>
+                <a:satMod val="103000"/>
+                <a:tint val="73000"/>
+              </a:schemeClr>
+            </a:gs>
+            <a:gs pos="100000">
+              <a:schemeClr val="phClr">
+                <a:lumMod val="105000"/>
+                <a:satMod val="109000"/>
+                <a:tint val="81000"/>
+              </a:schemeClr>
+            </a:gs>
+          </a:gsLst>
+          <a:lin ang="5400000" scaled="0"/>
+        </a:gradFill>
+        <a:gradFill rotWithShape="1">
+          <a:gsLst>
+            <a:gs pos="0">
+              <a:schemeClr val="phClr">
+                <a:satMod val="103000"/>
+                <a:lumMod val="102000"/>
+                <a:tint val="94000"/>
+              </a:schemeClr>
+            </a:gs>
+            <a:gs pos="50000">
+              <a:schemeClr val="phClr">
+                <a:satMod val="110000"/>
+                <a:lumMod val="100000"/>
+                <a:shade val="100000"/>
+              </a:schemeClr>
+            </a:gs>
+            <a:gs pos="100000">
+              <a:schemeClr val="phClr">
+                <a:lumMod val="99000"/>
+                <a:satMod val="120000"/>
+                <a:shade val="78000"/>
+              </a:schemeClr>
+            </a:gs>
+          </a:gsLst>
+          <a:lin ang="5400000" scaled="0"/>
+        </a:gradFill>
+      </a:fillStyleLst>
+      <a:lnStyleLst>
+        <a:ln w="6350" cap="flat" cmpd="sng" algn="ctr">
+          <a:solidFill>
+            <a:schemeClr val="phClr"/>
+          </a:solidFill>
+          <a:prstDash val="solid"/>
+          <a:miter lim="800000"/>
+        </a:ln>
+        <a:ln w="12700" cap="flat" cmpd="sng" algn="ctr">
+          <a:solidFill>
+            <a:schemeClr val="phClr"/>
+          </a:solidFill>
+          <a:prstDash val="solid"/>
+          <a:miter lim="800000"/>
+        </a:ln>
+        <a:ln w="19050" cap="flat" cmpd="sng" algn="ctr">
+          <a:solidFill>
+            <a:schemeClr val="phClr"/>
+          </a:solidFill>
+          <a:prstDash val="solid"/>
+          <a:miter lim="800000"/>
+        </a:ln>
+      </a:lnStyleLst>
+      <a:effectStyleLst>
+        <a:effectStyle>
+          <a:effectLst/>
+        </a:effectStyle>
+        <a:effectStyle>
+          <a:effectLst/>
+        </a:effectStyle>
+        <a:effectStyle>
+          <a:effectLst>
+            <a:outerShdw blurRad="57150" dist="19050" dir="5400000" algn="ctr" rotWithShape="0">
+              <a:srgbClr val="000000">
+                <a:alpha val="63000"/>
+              </a:srgbClr>
+            </a:outerShdw>
+          </a:effectLst>
+        </a:effectStyle>
+      </a:effectStyleLst>
+      <a:bgFillStyleLst>
+        <a:solidFill>
+          <a:schemeClr val="phClr"/>
+        </a:solidFill>
+        <a:solidFill>
+          <a:schemeClr val="phClr">
+            <a:tint val="95000"/>
+            <a:satMod val="170000"/>
+          </a:schemeClr>
+        </a:solidFill>
+        <a:gradFill rotWithShape="1">
+          <a:gsLst>
+            <a:gs pos="0">
+              <a:schemeClr val="phClr">
+                <a:tint val="93000"/>
+                <a:satMod val="150000"/>
+                <a:shade val="98000"/>
+                <a:lumMod val="102000"/>
+              </a:schemeClr>
+            </a:gs>
+            <a:gs pos="50000">
+              <a:schemeClr val="phClr">
+                <a:tint val="98000"/>
+                <a:satMod val="130000"/>
+                <a:shade val="90000"/>
+                <a:lumMod val="103000"/>
+              </a:schemeClr>
+            </a:gs>
+            <a:gs pos="100000">
+              <a:schemeClr val="phClr">
+                <a:shade val="63000"/>
+                <a:satMod val="120000"/>
+              </a:schemeClr>
+            </a:gs>
+          </a:gsLst>
+          <a:lin ang="5400000" scaled="0"/>
+        </a:gradFill>
+      </a:bgFillStyleLst>
+    </a:fmtScheme>
+  </a:themeElements>
+  <a:objectDefaults/>
+  <a:extraClrSchemeLst/>
+  <a:extLst>
+    <a:ext uri="{05A4C25C-085E-4340-85A3-A5531E510DB2}">
+      <thm15:themeFamily xmlns:thm15="http://schemas.microsoft.com/office/thememl/2012/main" name="Office Theme" id="{62F939B6-93AF-4DB8-9C6B-D6C7DFDC589F}" vid="{4A3C46E8-61CC-4603-A589-7422A47A8E4A}"/>
+    </a:ext>
+  </a:extLst>
+</a:theme>
 </file>